--- a/Final_Presentation_Team9.pptx
+++ b/Final_Presentation_Team9.pptx
@@ -5,7 +5,7 @@
     <p:sldMasterId id="2147483659" r:id="rId1"/>
   </p:sldMasterIdLst>
   <p:notesMasterIdLst>
-    <p:notesMasterId r:id="rId18"/>
+    <p:notesMasterId r:id="rId20"/>
   </p:notesMasterIdLst>
   <p:sldIdLst>
     <p:sldId id="256" r:id="rId2"/>
@@ -23,22 +23,24 @@
     <p:sldId id="268" r:id="rId14"/>
     <p:sldId id="269" r:id="rId15"/>
     <p:sldId id="270" r:id="rId16"/>
-    <p:sldId id="271" r:id="rId17"/>
+    <p:sldId id="272" r:id="rId17"/>
+    <p:sldId id="271" r:id="rId18"/>
+    <p:sldId id="273" r:id="rId19"/>
   </p:sldIdLst>
   <p:sldSz cx="9144000" cy="5143500" type="screen16x9"/>
   <p:notesSz cx="6858000" cy="9144000"/>
   <p:embeddedFontLst>
     <p:embeddedFont>
       <p:font typeface="PT Sans Narrow" panose="020B0604020202020204" charset="0"/>
-      <p:regular r:id="rId19"/>
-      <p:bold r:id="rId20"/>
+      <p:regular r:id="rId21"/>
+      <p:bold r:id="rId22"/>
     </p:embeddedFont>
     <p:embeddedFont>
       <p:font typeface="Open Sans" panose="020B0604020202020204" charset="0"/>
-      <p:regular r:id="rId21"/>
-      <p:bold r:id="rId22"/>
-      <p:italic r:id="rId23"/>
-      <p:boldItalic r:id="rId24"/>
+      <p:regular r:id="rId23"/>
+      <p:bold r:id="rId24"/>
+      <p:italic r:id="rId25"/>
+      <p:boldItalic r:id="rId26"/>
     </p:embeddedFont>
   </p:embeddedFontLst>
   <p:defaultTextStyle>
@@ -243,6 +245,11 @@
       </a:defRPr>
     </a:lvl9pPr>
   </p:defaultTextStyle>
+  <p:extLst>
+    <p:ext uri="{EFAFB233-063F-42B5-8137-9DF3F51BA10A}">
+      <p15:sldGuideLst xmlns:p15="http://schemas.microsoft.com/office/powerpoint/2012/main"/>
+    </p:ext>
+  </p:extLst>
 </p:presentation>
 </file>
 
@@ -430,6 +437,11 @@
         </p:txBody>
       </p:sp>
     </p:spTree>
+    <p:extLst>
+      <p:ext uri="{BB962C8B-B14F-4D97-AF65-F5344CB8AC3E}">
+        <p14:creationId xmlns:p14="http://schemas.microsoft.com/office/powerpoint/2010/main" val="1727733195"/>
+      </p:ext>
+    </p:extLst>
   </p:cSld>
   <p:clrMap bg1="lt1" tx1="dk1" bg2="dk2" tx2="lt2" accent1="accent1" accent2="accent2" accent3="accent3" accent4="accent4" accent5="accent5" accent6="accent6" hlink="hlink" folHlink="folHlink"/>
   <p:notesStyle>
@@ -621,6 +633,11 @@
         </p:txBody>
       </p:sp>
     </p:spTree>
+    <p:extLst>
+      <p:ext uri="{BB962C8B-B14F-4D97-AF65-F5344CB8AC3E}">
+        <p14:creationId xmlns:p14="http://schemas.microsoft.com/office/powerpoint/2010/main" val="1510251209"/>
+      </p:ext>
+    </p:extLst>
   </p:cSld>
   <p:clrMapOvr>
     <a:masterClrMapping/>
@@ -722,6 +739,11 @@
         </p:txBody>
       </p:sp>
     </p:spTree>
+    <p:extLst>
+      <p:ext uri="{BB962C8B-B14F-4D97-AF65-F5344CB8AC3E}">
+        <p14:creationId xmlns:p14="http://schemas.microsoft.com/office/powerpoint/2010/main" val="2960645489"/>
+      </p:ext>
+    </p:extLst>
   </p:cSld>
   <p:clrMapOvr>
     <a:masterClrMapping/>
@@ -823,6 +845,11 @@
         </p:txBody>
       </p:sp>
     </p:spTree>
+    <p:extLst>
+      <p:ext uri="{BB962C8B-B14F-4D97-AF65-F5344CB8AC3E}">
+        <p14:creationId xmlns:p14="http://schemas.microsoft.com/office/powerpoint/2010/main" val="3249702301"/>
+      </p:ext>
+    </p:extLst>
   </p:cSld>
   <p:clrMapOvr>
     <a:masterClrMapping/>
@@ -924,6 +951,11 @@
         </p:txBody>
       </p:sp>
     </p:spTree>
+    <p:extLst>
+      <p:ext uri="{BB962C8B-B14F-4D97-AF65-F5344CB8AC3E}">
+        <p14:creationId xmlns:p14="http://schemas.microsoft.com/office/powerpoint/2010/main" val="2012910246"/>
+      </p:ext>
+    </p:extLst>
   </p:cSld>
   <p:clrMapOvr>
     <a:masterClrMapping/>
@@ -1025,6 +1057,11 @@
         </p:txBody>
       </p:sp>
     </p:spTree>
+    <p:extLst>
+      <p:ext uri="{BB962C8B-B14F-4D97-AF65-F5344CB8AC3E}">
+        <p14:creationId xmlns:p14="http://schemas.microsoft.com/office/powerpoint/2010/main" val="3461428229"/>
+      </p:ext>
+    </p:extLst>
   </p:cSld>
   <p:clrMapOvr>
     <a:masterClrMapping/>
@@ -1126,6 +1163,11 @@
         </p:txBody>
       </p:sp>
     </p:spTree>
+    <p:extLst>
+      <p:ext uri="{BB962C8B-B14F-4D97-AF65-F5344CB8AC3E}">
+        <p14:creationId xmlns:p14="http://schemas.microsoft.com/office/powerpoint/2010/main" val="1120957956"/>
+      </p:ext>
+    </p:extLst>
   </p:cSld>
   <p:clrMapOvr>
     <a:masterClrMapping/>
@@ -1227,6 +1269,11 @@
         </p:txBody>
       </p:sp>
     </p:spTree>
+    <p:extLst>
+      <p:ext uri="{BB962C8B-B14F-4D97-AF65-F5344CB8AC3E}">
+        <p14:creationId xmlns:p14="http://schemas.microsoft.com/office/powerpoint/2010/main" val="484146399"/>
+      </p:ext>
+    </p:extLst>
   </p:cSld>
   <p:clrMapOvr>
     <a:masterClrMapping/>
@@ -1328,6 +1375,11 @@
         </p:txBody>
       </p:sp>
     </p:spTree>
+    <p:extLst>
+      <p:ext uri="{BB962C8B-B14F-4D97-AF65-F5344CB8AC3E}">
+        <p14:creationId xmlns:p14="http://schemas.microsoft.com/office/powerpoint/2010/main" val="3642438966"/>
+      </p:ext>
+    </p:extLst>
   </p:cSld>
   <p:clrMapOvr>
     <a:masterClrMapping/>
@@ -1429,6 +1481,11 @@
         </p:txBody>
       </p:sp>
     </p:spTree>
+    <p:extLst>
+      <p:ext uri="{BB962C8B-B14F-4D97-AF65-F5344CB8AC3E}">
+        <p14:creationId xmlns:p14="http://schemas.microsoft.com/office/powerpoint/2010/main" val="1047361705"/>
+      </p:ext>
+    </p:extLst>
   </p:cSld>
   <p:clrMapOvr>
     <a:masterClrMapping/>
@@ -1530,6 +1587,11 @@
         </p:txBody>
       </p:sp>
     </p:spTree>
+    <p:extLst>
+      <p:ext uri="{BB962C8B-B14F-4D97-AF65-F5344CB8AC3E}">
+        <p14:creationId xmlns:p14="http://schemas.microsoft.com/office/powerpoint/2010/main" val="43269718"/>
+      </p:ext>
+    </p:extLst>
   </p:cSld>
   <p:clrMapOvr>
     <a:masterClrMapping/>
@@ -1631,6 +1693,11 @@
         </p:txBody>
       </p:sp>
     </p:spTree>
+    <p:extLst>
+      <p:ext uri="{BB962C8B-B14F-4D97-AF65-F5344CB8AC3E}">
+        <p14:creationId xmlns:p14="http://schemas.microsoft.com/office/powerpoint/2010/main" val="625676445"/>
+      </p:ext>
+    </p:extLst>
   </p:cSld>
   <p:clrMapOvr>
     <a:masterClrMapping/>
@@ -1732,6 +1799,11 @@
         </p:txBody>
       </p:sp>
     </p:spTree>
+    <p:extLst>
+      <p:ext uri="{BB962C8B-B14F-4D97-AF65-F5344CB8AC3E}">
+        <p14:creationId xmlns:p14="http://schemas.microsoft.com/office/powerpoint/2010/main" val="2928843969"/>
+      </p:ext>
+    </p:extLst>
   </p:cSld>
   <p:clrMapOvr>
     <a:masterClrMapping/>
@@ -1833,6 +1905,11 @@
         </p:txBody>
       </p:sp>
     </p:spTree>
+    <p:extLst>
+      <p:ext uri="{BB962C8B-B14F-4D97-AF65-F5344CB8AC3E}">
+        <p14:creationId xmlns:p14="http://schemas.microsoft.com/office/powerpoint/2010/main" val="435033076"/>
+      </p:ext>
+    </p:extLst>
   </p:cSld>
   <p:clrMapOvr>
     <a:masterClrMapping/>
@@ -1934,6 +2011,11 @@
         </p:txBody>
       </p:sp>
     </p:spTree>
+    <p:extLst>
+      <p:ext uri="{BB962C8B-B14F-4D97-AF65-F5344CB8AC3E}">
+        <p14:creationId xmlns:p14="http://schemas.microsoft.com/office/powerpoint/2010/main" val="956477093"/>
+      </p:ext>
+    </p:extLst>
   </p:cSld>
   <p:clrMapOvr>
     <a:masterClrMapping/>
@@ -2035,6 +2117,11 @@
         </p:txBody>
       </p:sp>
     </p:spTree>
+    <p:extLst>
+      <p:ext uri="{BB962C8B-B14F-4D97-AF65-F5344CB8AC3E}">
+        <p14:creationId xmlns:p14="http://schemas.microsoft.com/office/powerpoint/2010/main" val="4235912852"/>
+      </p:ext>
+    </p:extLst>
   </p:cSld>
   <p:clrMapOvr>
     <a:masterClrMapping/>
@@ -2136,6 +2223,11 @@
         </p:txBody>
       </p:sp>
     </p:spTree>
+    <p:extLst>
+      <p:ext uri="{BB962C8B-B14F-4D97-AF65-F5344CB8AC3E}">
+        <p14:creationId xmlns:p14="http://schemas.microsoft.com/office/powerpoint/2010/main" val="1382825523"/>
+      </p:ext>
+    </p:extLst>
   </p:cSld>
   <p:clrMapOvr>
     <a:masterClrMapping/>
@@ -6254,6 +6346,13 @@
   <p:clrMapOvr>
     <a:masterClrMapping/>
   </p:clrMapOvr>
+  <p:timing>
+    <p:tnLst>
+      <p:par>
+        <p:cTn id="1" dur="indefinite" restart="never" nodeType="tmRoot"/>
+      </p:par>
+    </p:tnLst>
+  </p:timing>
 </p:sld>
 </file>
 
@@ -6386,6 +6485,13 @@
   <p:clrMapOvr>
     <a:masterClrMapping/>
   </p:clrMapOvr>
+  <p:timing>
+    <p:tnLst>
+      <p:par>
+        <p:cTn id="1" dur="indefinite" restart="never" nodeType="tmRoot"/>
+      </p:par>
+    </p:tnLst>
+  </p:timing>
 </p:sld>
 </file>
 
@@ -7299,6 +7405,13 @@
   <p:clrMapOvr>
     <a:masterClrMapping/>
   </p:clrMapOvr>
+  <p:timing>
+    <p:tnLst>
+      <p:par>
+        <p:cTn id="1" dur="indefinite" restart="never" nodeType="tmRoot"/>
+      </p:par>
+    </p:tnLst>
+  </p:timing>
 </p:sld>
 </file>
 
@@ -7868,26 +7981,19 @@
               <a:t>Video - </a:t>
             </a:r>
             <a:r>
+              <a:rPr lang="en-US" dirty="0" smtClean="0">
+                <a:latin typeface="PT Sans Narrow" panose="020B0604020202020204" charset="0"/>
+                <a:hlinkClick r:id="rId3"/>
+              </a:rPr>
+              <a:t>https</a:t>
+            </a:r>
+            <a:r>
               <a:rPr lang="en-US" dirty="0">
                 <a:latin typeface="PT Sans Narrow" panose="020B0604020202020204" charset="0"/>
+                <a:hlinkClick r:id="rId3"/>
               </a:rPr>
-              <a:t>https://www.youtube.com/watch?v=0jP0-5w1uqE</a:t>
+              <a:t>://www.youtube.com/watch?v=_dyrbnKCqX0</a:t>
             </a:r>
-            <a:endParaRPr lang="en" dirty="0">
-              <a:latin typeface="PT Sans Narrow" panose="020B0604020202020204" charset="0"/>
-            </a:endParaRPr>
-          </a:p>
-          <a:p>
-            <a:pPr marL="342900" lvl="0" indent="-342900" rtl="0">
-              <a:spcBef>
-                <a:spcPts val="0"/>
-              </a:spcBef>
-              <a:spcAft>
-                <a:spcPts val="600"/>
-              </a:spcAft>
-              <a:buFont typeface="Arial" panose="020B0604020202020204" pitchFamily="34" charset="0"/>
-              <a:buChar char="•"/>
-            </a:pPr>
             <a:endParaRPr lang="en" dirty="0">
               <a:latin typeface="PT Sans Narrow" panose="020B0604020202020204" charset="0"/>
             </a:endParaRPr>
@@ -7901,7 +8007,7 @@
           <p:nvPr/>
         </p:nvPicPr>
         <p:blipFill>
-          <a:blip r:embed="rId3">
+          <a:blip r:embed="rId4">
             <a:alphaModFix/>
           </a:blip>
           <a:stretch>
@@ -8402,7 +8508,7 @@
             <a:r>
               <a:rPr lang="en" sz="2000" dirty="0">
                 <a:solidFill>
-                  <a:srgbClr val="000000"/>
+                  <a:schemeClr val="bg2"/>
                 </a:solidFill>
                 <a:latin typeface="PT Sans Narrow" panose="020B0604020202020204" charset="0"/>
                 <a:ea typeface="Arial"/>
@@ -8433,7 +8539,7 @@
             <a:r>
               <a:rPr lang="en" sz="2000" dirty="0">
                 <a:solidFill>
-                  <a:srgbClr val="000000"/>
+                  <a:schemeClr val="bg2"/>
                 </a:solidFill>
                 <a:latin typeface="PT Sans Narrow" panose="020B0604020202020204" charset="0"/>
                 <a:ea typeface="Arial"/>
@@ -8464,7 +8570,7 @@
             <a:r>
               <a:rPr lang="en" sz="2000" dirty="0">
                 <a:solidFill>
-                  <a:srgbClr val="000000"/>
+                  <a:schemeClr val="bg2"/>
                 </a:solidFill>
                 <a:latin typeface="PT Sans Narrow" panose="020B0604020202020204" charset="0"/>
                 <a:ea typeface="Arial"/>
@@ -8495,7 +8601,7 @@
             <a:r>
               <a:rPr lang="en" sz="2000" dirty="0">
                 <a:solidFill>
-                  <a:srgbClr val="000000"/>
+                  <a:schemeClr val="bg2"/>
                 </a:solidFill>
                 <a:latin typeface="PT Sans Narrow" panose="020B0604020202020204" charset="0"/>
                 <a:ea typeface="Arial"/>
@@ -8526,7 +8632,7 @@
             <a:r>
               <a:rPr lang="en" sz="2000" dirty="0">
                 <a:solidFill>
-                  <a:srgbClr val="000000"/>
+                  <a:schemeClr val="bg2"/>
                 </a:solidFill>
                 <a:latin typeface="PT Sans Narrow" panose="020B0604020202020204" charset="0"/>
                 <a:ea typeface="Arial"/>
@@ -8557,7 +8663,7 @@
             <a:r>
               <a:rPr lang="en" sz="2000" dirty="0">
                 <a:solidFill>
-                  <a:srgbClr val="000000"/>
+                  <a:schemeClr val="bg2"/>
                 </a:solidFill>
                 <a:latin typeface="PT Sans Narrow" panose="020B0604020202020204" charset="0"/>
                 <a:ea typeface="Arial"/>
@@ -8588,7 +8694,7 @@
             <a:r>
               <a:rPr lang="en" sz="2000" dirty="0">
                 <a:solidFill>
-                  <a:srgbClr val="000000"/>
+                  <a:schemeClr val="bg2"/>
                 </a:solidFill>
                 <a:latin typeface="PT Sans Narrow" panose="020B0604020202020204" charset="0"/>
                 <a:ea typeface="Arial"/>
@@ -8617,29 +8723,26 @@
               <a:buChar char="•"/>
             </a:pPr>
             <a:r>
-              <a:rPr lang="en" sz="2000" dirty="0">
+              <a:rPr lang="en" sz="2000" dirty="0" smtClean="0">
                 <a:solidFill>
-                  <a:srgbClr val="000000"/>
+                  <a:schemeClr val="bg2"/>
                 </a:solidFill>
                 <a:latin typeface="PT Sans Narrow" panose="020B0604020202020204" charset="0"/>
                 <a:ea typeface="Arial"/>
                 <a:cs typeface="Arial"/>
                 <a:sym typeface="Arial"/>
               </a:rPr>
-              <a:t>Autodesk Inventor design limitations</a:t>
+              <a:t>Custom shells</a:t>
             </a:r>
-            <a:r>
-              <a:rPr lang="en" sz="1800" dirty="0">
-                <a:solidFill>
-                  <a:srgbClr val="000000"/>
-                </a:solidFill>
-                <a:latin typeface="PT Sans Narrow" panose="020B0604020202020204" charset="0"/>
-                <a:ea typeface="Arial"/>
-                <a:cs typeface="Arial"/>
-                <a:sym typeface="Arial"/>
-              </a:rPr>
-              <a:t> </a:t>
-            </a:r>
+            <a:endParaRPr lang="en" sz="1800" dirty="0">
+              <a:solidFill>
+                <a:schemeClr val="bg2"/>
+              </a:solidFill>
+              <a:latin typeface="PT Sans Narrow" panose="020B0604020202020204" charset="0"/>
+              <a:ea typeface="Arial"/>
+              <a:cs typeface="Arial"/>
+              <a:sym typeface="Arial"/>
+            </a:endParaRPr>
           </a:p>
         </p:txBody>
       </p:sp>
@@ -8727,7 +8830,7 @@
         </p:blipFill>
         <p:spPr>
           <a:xfrm>
-            <a:off x="5280929" y="1528206"/>
+            <a:off x="5223816" y="1116755"/>
             <a:ext cx="3551371" cy="2363242"/>
           </a:xfrm>
           <a:prstGeom prst="rect">
@@ -8750,7 +8853,7 @@
         </p:blipFill>
         <p:spPr>
           <a:xfrm>
-            <a:off x="4564380" y="2171700"/>
+            <a:off x="4539173" y="2272964"/>
             <a:ext cx="4412874" cy="2446061"/>
           </a:xfrm>
           <a:prstGeom prst="rect">
@@ -8760,6 +8863,30 @@
           <a:ln>
             <a:noFill/>
           </a:ln>
+        </p:spPr>
+      </p:pic>
+      <p:pic>
+        <p:nvPicPr>
+          <p:cNvPr id="6" name="Picture 5"/>
+          <p:cNvPicPr>
+            <a:picLocks noChangeAspect="1"/>
+          </p:cNvPicPr>
+          <p:nvPr/>
+        </p:nvPicPr>
+        <p:blipFill>
+          <a:blip r:embed="rId8"/>
+          <a:stretch>
+            <a:fillRect/>
+          </a:stretch>
+        </p:blipFill>
+        <p:spPr>
+          <a:xfrm>
+            <a:off x="5025818" y="2182944"/>
+            <a:ext cx="3749369" cy="2139767"/>
+          </a:xfrm>
+          <a:prstGeom prst="rect">
+            <a:avLst/>
+          </a:prstGeom>
         </p:spPr>
       </p:pic>
     </p:spTree>
@@ -9210,11 +9337,7 @@
                                           </p:stCondLst>
                                         </p:cTn>
                                         <p:tgtEl>
-                                          <p:spTgt spid="170">
-                                            <p:txEl>
-                                              <p:pRg st="1" end="1"/>
-                                            </p:txEl>
-                                          </p:spTgt>
+                                          <p:spTgt spid="6"/>
                                         </p:tgtEl>
                                         <p:attrNameLst>
                                           <p:attrName>style.visibility</p:attrName>
@@ -9246,7 +9369,7 @@
                             </p:stCondLst>
                             <p:childTnLst>
                               <p:par>
-                                <p:cTn id="45" presetID="1" presetClass="entr" presetSubtype="0" fill="hold" nodeType="clickEffect">
+                                <p:cTn id="45" presetID="1" presetClass="exit" presetSubtype="0" fill="hold" nodeType="clickEffect">
                                   <p:stCondLst>
                                     <p:cond delay="0"/>
                                   </p:stCondLst>
@@ -9259,18 +9382,14 @@
                                           </p:stCondLst>
                                         </p:cTn>
                                         <p:tgtEl>
-                                          <p:spTgt spid="170">
-                                            <p:txEl>
-                                              <p:pRg st="2" end="2"/>
-                                            </p:txEl>
-                                          </p:spTgt>
+                                          <p:spTgt spid="6"/>
                                         </p:tgtEl>
                                         <p:attrNameLst>
                                           <p:attrName>style.visibility</p:attrName>
                                         </p:attrNameLst>
                                       </p:cBhvr>
                                       <p:to>
-                                        <p:strVal val="visible"/>
+                                        <p:strVal val="hidden"/>
                                       </p:to>
                                     </p:set>
                                   </p:childTnLst>
@@ -9310,7 +9429,7 @@
                                         <p:tgtEl>
                                           <p:spTgt spid="170">
                                             <p:txEl>
-                                              <p:pRg st="3" end="3"/>
+                                              <p:pRg st="1" end="1"/>
                                             </p:txEl>
                                           </p:spTgt>
                                         </p:tgtEl>
@@ -9325,39 +9444,26 @@
                                   </p:childTnLst>
                                 </p:cTn>
                               </p:par>
+                            </p:childTnLst>
+                          </p:cTn>
+                        </p:par>
+                      </p:childTnLst>
+                    </p:cTn>
+                  </p:par>
+                  <p:par>
+                    <p:cTn id="51" fill="hold">
+                      <p:stCondLst>
+                        <p:cond delay="indefinite"/>
+                      </p:stCondLst>
+                      <p:childTnLst>
+                        <p:par>
+                          <p:cTn id="52" fill="hold">
+                            <p:stCondLst>
+                              <p:cond delay="0"/>
+                            </p:stCondLst>
+                            <p:childTnLst>
                               <p:par>
-                                <p:cTn id="51" presetID="1" presetClass="entr" presetSubtype="0" fill="hold" nodeType="withEffect">
-                                  <p:stCondLst>
-                                    <p:cond delay="0"/>
-                                  </p:stCondLst>
-                                  <p:childTnLst>
-                                    <p:set>
-                                      <p:cBhvr>
-                                        <p:cTn id="52" dur="1" fill="hold">
-                                          <p:stCondLst>
-                                            <p:cond delay="0"/>
-                                          </p:stCondLst>
-                                        </p:cTn>
-                                        <p:tgtEl>
-                                          <p:spTgt spid="170">
-                                            <p:txEl>
-                                              <p:pRg st="4" end="4"/>
-                                            </p:txEl>
-                                          </p:spTgt>
-                                        </p:tgtEl>
-                                        <p:attrNameLst>
-                                          <p:attrName>style.visibility</p:attrName>
-                                        </p:attrNameLst>
-                                      </p:cBhvr>
-                                      <p:to>
-                                        <p:strVal val="visible"/>
-                                      </p:to>
-                                    </p:set>
-                                  </p:childTnLst>
-                                </p:cTn>
-                              </p:par>
-                              <p:par>
-                                <p:cTn id="53" presetID="1" presetClass="entr" presetSubtype="0" fill="hold" nodeType="withEffect">
+                                <p:cTn id="53" presetID="1" presetClass="entr" presetSubtype="0" fill="hold" nodeType="clickEffect">
                                   <p:stCondLst>
                                     <p:cond delay="0"/>
                                   </p:stCondLst>
@@ -9372,7 +9478,7 @@
                                         <p:tgtEl>
                                           <p:spTgt spid="170">
                                             <p:txEl>
-                                              <p:pRg st="5" end="5"/>
+                                              <p:pRg st="2" end="2"/>
                                             </p:txEl>
                                           </p:spTgt>
                                         </p:tgtEl>
@@ -9421,7 +9527,7 @@
                                         <p:tgtEl>
                                           <p:spTgt spid="170">
                                             <p:txEl>
-                                              <p:pRg st="6" end="6"/>
+                                              <p:pRg st="3" end="3"/>
                                             </p:txEl>
                                           </p:spTgt>
                                         </p:tgtEl>
@@ -9436,26 +9542,39 @@
                                   </p:childTnLst>
                                 </p:cTn>
                               </p:par>
-                            </p:childTnLst>
-                          </p:cTn>
-                        </p:par>
-                      </p:childTnLst>
-                    </p:cTn>
-                  </p:par>
-                  <p:par>
-                    <p:cTn id="59" fill="hold">
-                      <p:stCondLst>
-                        <p:cond delay="indefinite"/>
-                      </p:stCondLst>
-                      <p:childTnLst>
-                        <p:par>
-                          <p:cTn id="60" fill="hold">
-                            <p:stCondLst>
-                              <p:cond delay="0"/>
-                            </p:stCondLst>
-                            <p:childTnLst>
                               <p:par>
-                                <p:cTn id="61" presetID="1" presetClass="entr" presetSubtype="0" fill="hold" nodeType="clickEffect">
+                                <p:cTn id="59" presetID="1" presetClass="entr" presetSubtype="0" fill="hold" nodeType="withEffect">
+                                  <p:stCondLst>
+                                    <p:cond delay="0"/>
+                                  </p:stCondLst>
+                                  <p:childTnLst>
+                                    <p:set>
+                                      <p:cBhvr>
+                                        <p:cTn id="60" dur="1" fill="hold">
+                                          <p:stCondLst>
+                                            <p:cond delay="0"/>
+                                          </p:stCondLst>
+                                        </p:cTn>
+                                        <p:tgtEl>
+                                          <p:spTgt spid="170">
+                                            <p:txEl>
+                                              <p:pRg st="4" end="4"/>
+                                            </p:txEl>
+                                          </p:spTgt>
+                                        </p:tgtEl>
+                                        <p:attrNameLst>
+                                          <p:attrName>style.visibility</p:attrName>
+                                        </p:attrNameLst>
+                                      </p:cBhvr>
+                                      <p:to>
+                                        <p:strVal val="visible"/>
+                                      </p:to>
+                                    </p:set>
+                                  </p:childTnLst>
+                                </p:cTn>
+                              </p:par>
+                              <p:par>
+                                <p:cTn id="61" presetID="1" presetClass="entr" presetSubtype="0" fill="hold" nodeType="withEffect">
                                   <p:stCondLst>
                                     <p:cond delay="0"/>
                                   </p:stCondLst>
@@ -9468,7 +9587,11 @@
                                           </p:stCondLst>
                                         </p:cTn>
                                         <p:tgtEl>
-                                          <p:spTgt spid="8"/>
+                                          <p:spTgt spid="170">
+                                            <p:txEl>
+                                              <p:pRg st="5" end="5"/>
+                                            </p:txEl>
+                                          </p:spTgt>
                                         </p:tgtEl>
                                         <p:attrNameLst>
                                           <p:attrName>style.visibility</p:attrName>
@@ -9500,7 +9623,7 @@
                             </p:stCondLst>
                             <p:childTnLst>
                               <p:par>
-                                <p:cTn id="65" presetID="1" presetClass="exit" presetSubtype="0" fill="hold" nodeType="clickEffect">
+                                <p:cTn id="65" presetID="1" presetClass="entr" presetSubtype="0" fill="hold" nodeType="clickEffect">
                                   <p:stCondLst>
                                     <p:cond delay="0"/>
                                   </p:stCondLst>
@@ -9513,14 +9636,18 @@
                                           </p:stCondLst>
                                         </p:cTn>
                                         <p:tgtEl>
-                                          <p:spTgt spid="8"/>
+                                          <p:spTgt spid="170">
+                                            <p:txEl>
+                                              <p:pRg st="6" end="6"/>
+                                            </p:txEl>
+                                          </p:spTgt>
                                         </p:tgtEl>
                                         <p:attrNameLst>
                                           <p:attrName>style.visibility</p:attrName>
                                         </p:attrNameLst>
                                       </p:cBhvr>
                                       <p:to>
-                                        <p:strVal val="hidden"/>
+                                        <p:strVal val="visible"/>
                                       </p:to>
                                     </p:set>
                                   </p:childTnLst>
@@ -9553,6 +9680,96 @@
                                     <p:set>
                                       <p:cBhvr>
                                         <p:cTn id="70" dur="1" fill="hold">
+                                          <p:stCondLst>
+                                            <p:cond delay="0"/>
+                                          </p:stCondLst>
+                                        </p:cTn>
+                                        <p:tgtEl>
+                                          <p:spTgt spid="8"/>
+                                        </p:tgtEl>
+                                        <p:attrNameLst>
+                                          <p:attrName>style.visibility</p:attrName>
+                                        </p:attrNameLst>
+                                      </p:cBhvr>
+                                      <p:to>
+                                        <p:strVal val="visible"/>
+                                      </p:to>
+                                    </p:set>
+                                  </p:childTnLst>
+                                </p:cTn>
+                              </p:par>
+                            </p:childTnLst>
+                          </p:cTn>
+                        </p:par>
+                      </p:childTnLst>
+                    </p:cTn>
+                  </p:par>
+                  <p:par>
+                    <p:cTn id="71" fill="hold">
+                      <p:stCondLst>
+                        <p:cond delay="indefinite"/>
+                      </p:stCondLst>
+                      <p:childTnLst>
+                        <p:par>
+                          <p:cTn id="72" fill="hold">
+                            <p:stCondLst>
+                              <p:cond delay="0"/>
+                            </p:stCondLst>
+                            <p:childTnLst>
+                              <p:par>
+                                <p:cTn id="73" presetID="1" presetClass="exit" presetSubtype="0" fill="hold" nodeType="clickEffect">
+                                  <p:stCondLst>
+                                    <p:cond delay="0"/>
+                                  </p:stCondLst>
+                                  <p:childTnLst>
+                                    <p:set>
+                                      <p:cBhvr>
+                                        <p:cTn id="74" dur="1" fill="hold">
+                                          <p:stCondLst>
+                                            <p:cond delay="0"/>
+                                          </p:stCondLst>
+                                        </p:cTn>
+                                        <p:tgtEl>
+                                          <p:spTgt spid="8"/>
+                                        </p:tgtEl>
+                                        <p:attrNameLst>
+                                          <p:attrName>style.visibility</p:attrName>
+                                        </p:attrNameLst>
+                                      </p:cBhvr>
+                                      <p:to>
+                                        <p:strVal val="hidden"/>
+                                      </p:to>
+                                    </p:set>
+                                  </p:childTnLst>
+                                </p:cTn>
+                              </p:par>
+                            </p:childTnLst>
+                          </p:cTn>
+                        </p:par>
+                      </p:childTnLst>
+                    </p:cTn>
+                  </p:par>
+                  <p:par>
+                    <p:cTn id="75" fill="hold">
+                      <p:stCondLst>
+                        <p:cond delay="indefinite"/>
+                      </p:stCondLst>
+                      <p:childTnLst>
+                        <p:par>
+                          <p:cTn id="76" fill="hold">
+                            <p:stCondLst>
+                              <p:cond delay="0"/>
+                            </p:stCondLst>
+                            <p:childTnLst>
+                              <p:par>
+                                <p:cTn id="77" presetID="1" presetClass="entr" presetSubtype="0" fill="hold" nodeType="clickEffect">
+                                  <p:stCondLst>
+                                    <p:cond delay="0"/>
+                                  </p:stCondLst>
+                                  <p:childTnLst>
+                                    <p:set>
+                                      <p:cBhvr>
+                                        <p:cTn id="78" dur="1" fill="hold">
                                           <p:stCondLst>
                                             <p:cond delay="0"/>
                                           </p:stCondLst>
@@ -9611,6 +9828,178 @@
   <p:cSld>
     <p:spTree>
       <p:nvGrpSpPr>
+        <p:cNvPr id="1" name=""/>
+        <p:cNvGrpSpPr/>
+        <p:nvPr/>
+      </p:nvGrpSpPr>
+      <p:grpSpPr>
+        <a:xfrm>
+          <a:off x="0" y="0"/>
+          <a:ext cx="0" cy="0"/>
+          <a:chOff x="0" y="0"/>
+          <a:chExt cx="0" cy="0"/>
+        </a:xfrm>
+      </p:grpSpPr>
+      <p:sp>
+        <p:nvSpPr>
+          <p:cNvPr id="2" name="Title 1"/>
+          <p:cNvSpPr>
+            <a:spLocks noGrp="1"/>
+          </p:cNvSpPr>
+          <p:nvPr>
+            <p:ph type="title"/>
+          </p:nvPr>
+        </p:nvSpPr>
+        <p:spPr/>
+        <p:txBody>
+          <a:bodyPr/>
+          <a:lstStyle/>
+          <a:p>
+            <a:r>
+              <a:rPr lang="en-US" dirty="0" smtClean="0"/>
+              <a:t>Conclusion</a:t>
+            </a:r>
+            <a:endParaRPr lang="en-US" dirty="0"/>
+          </a:p>
+        </p:txBody>
+      </p:sp>
+      <p:sp>
+        <p:nvSpPr>
+          <p:cNvPr id="3" name="Text Placeholder 2"/>
+          <p:cNvSpPr>
+            <a:spLocks noGrp="1"/>
+          </p:cNvSpPr>
+          <p:nvPr>
+            <p:ph type="body" idx="1"/>
+          </p:nvPr>
+        </p:nvSpPr>
+        <p:spPr/>
+        <p:txBody>
+          <a:bodyPr/>
+          <a:lstStyle/>
+          <a:p>
+            <a:pPr marL="342900" indent="-342900">
+              <a:spcAft>
+                <a:spcPts val="600"/>
+              </a:spcAft>
+              <a:buFont typeface="Arial" panose="020B0604020202020204" pitchFamily="34" charset="0"/>
+              <a:buChar char="•"/>
+            </a:pPr>
+            <a:r>
+              <a:rPr lang="en-US" sz="2000" dirty="0" smtClean="0">
+                <a:solidFill>
+                  <a:schemeClr val="bg2"/>
+                </a:solidFill>
+                <a:latin typeface="PT Sans Narrow" panose="020B0604020202020204" charset="0"/>
+              </a:rPr>
+              <a:t>Robotic hardware system</a:t>
+            </a:r>
+          </a:p>
+          <a:p>
+            <a:pPr marL="342900" indent="-342900">
+              <a:spcAft>
+                <a:spcPts val="600"/>
+              </a:spcAft>
+              <a:buFont typeface="Arial" panose="020B0604020202020204" pitchFamily="34" charset="0"/>
+              <a:buChar char="•"/>
+            </a:pPr>
+            <a:r>
+              <a:rPr lang="en-US" sz="2000" dirty="0" smtClean="0">
+                <a:solidFill>
+                  <a:schemeClr val="bg2"/>
+                </a:solidFill>
+                <a:latin typeface="PT Sans Narrow" panose="020B0604020202020204" charset="0"/>
+              </a:rPr>
+              <a:t>Maintain </a:t>
+            </a:r>
+            <a:r>
+              <a:rPr lang="en-US" sz="2000" dirty="0">
+                <a:solidFill>
+                  <a:schemeClr val="bg2"/>
+                </a:solidFill>
+                <a:latin typeface="PT Sans Narrow" panose="020B0604020202020204" charset="0"/>
+              </a:rPr>
+              <a:t>the battery life of </a:t>
+            </a:r>
+            <a:r>
+              <a:rPr lang="en-US" sz="2000" dirty="0" smtClean="0">
+                <a:solidFill>
+                  <a:schemeClr val="bg2"/>
+                </a:solidFill>
+                <a:latin typeface="PT Sans Narrow" panose="020B0604020202020204" charset="0"/>
+              </a:rPr>
+              <a:t>sensor nodes</a:t>
+            </a:r>
+          </a:p>
+          <a:p>
+            <a:pPr marL="342900" indent="-342900">
+              <a:spcAft>
+                <a:spcPts val="600"/>
+              </a:spcAft>
+              <a:buFont typeface="Arial" panose="020B0604020202020204" pitchFamily="34" charset="0"/>
+              <a:buChar char="•"/>
+            </a:pPr>
+            <a:r>
+              <a:rPr lang="en-US" sz="2000" dirty="0" smtClean="0">
+                <a:solidFill>
+                  <a:schemeClr val="bg2"/>
+                </a:solidFill>
+                <a:latin typeface="PT Sans Narrow" panose="020B0604020202020204" charset="0"/>
+              </a:rPr>
+              <a:t>Inspire future </a:t>
+            </a:r>
+            <a:r>
+              <a:rPr lang="en-US" sz="2000" dirty="0">
+                <a:solidFill>
+                  <a:schemeClr val="bg2"/>
+                </a:solidFill>
+                <a:latin typeface="PT Sans Narrow" panose="020B0604020202020204" charset="0"/>
+              </a:rPr>
+              <a:t>engineering </a:t>
+            </a:r>
+            <a:r>
+              <a:rPr lang="en-US" sz="2000" dirty="0" smtClean="0">
+                <a:solidFill>
+                  <a:schemeClr val="bg2"/>
+                </a:solidFill>
+                <a:latin typeface="PT Sans Narrow" panose="020B0604020202020204" charset="0"/>
+              </a:rPr>
+              <a:t>students</a:t>
+            </a:r>
+            <a:endParaRPr lang="en-US" sz="2000" dirty="0">
+              <a:solidFill>
+                <a:schemeClr val="bg2"/>
+              </a:solidFill>
+              <a:latin typeface="PT Sans Narrow" panose="020B0604020202020204" charset="0"/>
+            </a:endParaRPr>
+          </a:p>
+        </p:txBody>
+      </p:sp>
+    </p:spTree>
+    <p:extLst>
+      <p:ext uri="{BB962C8B-B14F-4D97-AF65-F5344CB8AC3E}">
+        <p14:creationId xmlns:p14="http://schemas.microsoft.com/office/powerpoint/2010/main" val="1588705281"/>
+      </p:ext>
+    </p:extLst>
+  </p:cSld>
+  <p:clrMapOvr>
+    <a:masterClrMapping/>
+  </p:clrMapOvr>
+  <p:timing>
+    <p:tnLst>
+      <p:par>
+        <p:cTn id="1" dur="indefinite" restart="never" nodeType="tmRoot"/>
+      </p:par>
+    </p:tnLst>
+  </p:timing>
+</p:sld>
+</file>
+
+<file path=ppt/slides/slide17.xml><?xml version="1.0" encoding="utf-8"?>
+<p:sld xmlns:a="http://schemas.openxmlformats.org/drawingml/2006/main" xmlns:r="http://schemas.openxmlformats.org/officeDocument/2006/relationships" xmlns:p="http://schemas.openxmlformats.org/presentationml/2006/main">
+  <p:cSld>
+    <p:spTree>
+      <p:nvGrpSpPr>
         <p:cNvPr id="1" name="Shape 174"/>
         <p:cNvGrpSpPr/>
         <p:nvPr/>
@@ -9666,6 +10055,111 @@
   <p:clrMapOvr>
     <a:masterClrMapping/>
   </p:clrMapOvr>
+  <p:timing>
+    <p:tnLst>
+      <p:par>
+        <p:cTn id="1" dur="indefinite" restart="never" nodeType="tmRoot"/>
+      </p:par>
+    </p:tnLst>
+  </p:timing>
+</p:sld>
+</file>
+
+<file path=ppt/slides/slide18.xml><?xml version="1.0" encoding="utf-8"?>
+<p:sld xmlns:a="http://schemas.openxmlformats.org/drawingml/2006/main" xmlns:r="http://schemas.openxmlformats.org/officeDocument/2006/relationships" xmlns:p="http://schemas.openxmlformats.org/presentationml/2006/main">
+  <p:cSld>
+    <p:spTree>
+      <p:nvGrpSpPr>
+        <p:cNvPr id="1" name=""/>
+        <p:cNvGrpSpPr/>
+        <p:nvPr/>
+      </p:nvGrpSpPr>
+      <p:grpSpPr>
+        <a:xfrm>
+          <a:off x="0" y="0"/>
+          <a:ext cx="0" cy="0"/>
+          <a:chOff x="0" y="0"/>
+          <a:chExt cx="0" cy="0"/>
+        </a:xfrm>
+      </p:grpSpPr>
+      <p:sp>
+        <p:nvSpPr>
+          <p:cNvPr id="2" name="Title 1"/>
+          <p:cNvSpPr>
+            <a:spLocks noGrp="1"/>
+          </p:cNvSpPr>
+          <p:nvPr>
+            <p:ph type="title"/>
+          </p:nvPr>
+        </p:nvSpPr>
+        <p:spPr/>
+        <p:txBody>
+          <a:bodyPr/>
+          <a:lstStyle/>
+          <a:p>
+            <a:r>
+              <a:rPr lang="en-US" dirty="0" smtClean="0"/>
+              <a:t>Appendix</a:t>
+            </a:r>
+            <a:endParaRPr lang="en-US" dirty="0"/>
+          </a:p>
+        </p:txBody>
+      </p:sp>
+      <p:sp>
+        <p:nvSpPr>
+          <p:cNvPr id="3" name="Text Placeholder 2"/>
+          <p:cNvSpPr>
+            <a:spLocks noGrp="1"/>
+          </p:cNvSpPr>
+          <p:nvPr>
+            <p:ph type="body" idx="1"/>
+          </p:nvPr>
+        </p:nvSpPr>
+        <p:spPr/>
+        <p:txBody>
+          <a:bodyPr/>
+          <a:lstStyle/>
+          <a:p>
+            <a:r>
+              <a:rPr lang="en-US" dirty="0"/>
+              <a:t>Random Walk - </a:t>
+            </a:r>
+            <a:r>
+              <a:rPr lang="en-US" dirty="0">
+                <a:hlinkClick r:id="rId2"/>
+              </a:rPr>
+              <a:t>https://</a:t>
+            </a:r>
+            <a:r>
+              <a:rPr lang="en-US" dirty="0" smtClean="0">
+                <a:hlinkClick r:id="rId2"/>
+              </a:rPr>
+              <a:t>www.youtube.com/watch?v=0jP0-5w1uqE</a:t>
+            </a:r>
+            <a:r>
+              <a:rPr lang="en-US" dirty="0" smtClean="0"/>
+              <a:t> </a:t>
+            </a:r>
+          </a:p>
+        </p:txBody>
+      </p:sp>
+    </p:spTree>
+    <p:extLst>
+      <p:ext uri="{BB962C8B-B14F-4D97-AF65-F5344CB8AC3E}">
+        <p14:creationId xmlns:p14="http://schemas.microsoft.com/office/powerpoint/2010/main" val="2188848972"/>
+      </p:ext>
+    </p:extLst>
+  </p:cSld>
+  <p:clrMapOvr>
+    <a:masterClrMapping/>
+  </p:clrMapOvr>
+  <p:timing>
+    <p:tnLst>
+      <p:par>
+        <p:cTn id="1" dur="indefinite" restart="never" nodeType="tmRoot"/>
+      </p:par>
+    </p:tnLst>
+  </p:timing>
 </p:sld>
 </file>
 
@@ -10467,6 +10961,13 @@
   <p:clrMapOvr>
     <a:masterClrMapping/>
   </p:clrMapOvr>
+  <p:timing>
+    <p:tnLst>
+      <p:par>
+        <p:cTn id="1" dur="indefinite" restart="never" nodeType="tmRoot"/>
+      </p:par>
+    </p:tnLst>
+  </p:timing>
 </p:sld>
 </file>
 
@@ -11186,6 +11687,13 @@
   <p:clrMapOvr>
     <a:masterClrMapping/>
   </p:clrMapOvr>
+  <p:timing>
+    <p:tnLst>
+      <p:par>
+        <p:cTn id="1" dur="indefinite" restart="never" nodeType="tmRoot"/>
+      </p:par>
+    </p:tnLst>
+  </p:timing>
 </p:sld>
 </file>
 
@@ -11206,6 +11714,36 @@
           <a:chExt cx="0" cy="0"/>
         </a:xfrm>
       </p:grpSpPr>
+      <p:pic>
+        <p:nvPicPr>
+          <p:cNvPr id="2" name="Picture 1"/>
+          <p:cNvPicPr>
+            <a:picLocks noChangeAspect="1"/>
+          </p:cNvPicPr>
+          <p:nvPr/>
+        </p:nvPicPr>
+        <p:blipFill>
+          <a:blip r:embed="rId3">
+            <a:extLst>
+              <a:ext uri="{28A0092B-C50C-407E-A947-70E740481C1C}">
+                <a14:useLocalDpi xmlns:a14="http://schemas.microsoft.com/office/drawing/2010/main" val="0"/>
+              </a:ext>
+            </a:extLst>
+          </a:blip>
+          <a:stretch>
+            <a:fillRect/>
+          </a:stretch>
+        </p:blipFill>
+        <p:spPr>
+          <a:xfrm>
+            <a:off x="657932" y="432619"/>
+            <a:ext cx="8171437" cy="4596433"/>
+          </a:xfrm>
+          <a:prstGeom prst="rect">
+            <a:avLst/>
+          </a:prstGeom>
+        </p:spPr>
+      </p:pic>
       <p:sp>
         <p:nvSpPr>
           <p:cNvPr id="101" name="Shape 101"/>
@@ -11218,7 +11756,7 @@
         </p:nvSpPr>
         <p:spPr>
           <a:xfrm>
-            <a:off x="311700" y="292625"/>
+            <a:off x="0" y="0"/>
             <a:ext cx="8520600" cy="707400"/>
           </a:xfrm>
           <a:prstGeom prst="rect">
@@ -11238,45 +11776,24 @@
               <a:buNone/>
             </a:pPr>
             <a:r>
-              <a:rPr lang="en"/>
+              <a:rPr lang="en" dirty="0"/>
               <a:t>Overview Diagram</a:t>
             </a:r>
           </a:p>
         </p:txBody>
       </p:sp>
-      <p:pic>
-        <p:nvPicPr>
-          <p:cNvPr id="102" name="Shape 102"/>
-          <p:cNvPicPr preferRelativeResize="0"/>
-          <p:nvPr/>
-        </p:nvPicPr>
-        <p:blipFill>
-          <a:blip r:embed="rId3">
-            <a:alphaModFix/>
-          </a:blip>
-          <a:stretch>
-            <a:fillRect/>
-          </a:stretch>
-        </p:blipFill>
-        <p:spPr>
-          <a:xfrm>
-            <a:off x="1230525" y="1000025"/>
-            <a:ext cx="6559126" cy="3838674"/>
-          </a:xfrm>
-          <a:prstGeom prst="rect">
-            <a:avLst/>
-          </a:prstGeom>
-          <a:noFill/>
-          <a:ln>
-            <a:noFill/>
-          </a:ln>
-        </p:spPr>
-      </p:pic>
     </p:spTree>
   </p:cSld>
   <p:clrMapOvr>
     <a:masterClrMapping/>
   </p:clrMapOvr>
+  <p:timing>
+    <p:tnLst>
+      <p:par>
+        <p:cTn id="1" dur="indefinite" restart="never" nodeType="tmRoot"/>
+      </p:par>
+    </p:tnLst>
+  </p:timing>
 </p:sld>
 </file>
 
@@ -11368,6 +11885,13 @@
   <p:clrMapOvr>
     <a:masterClrMapping/>
   </p:clrMapOvr>
+  <p:timing>
+    <p:tnLst>
+      <p:par>
+        <p:cTn id="1" dur="indefinite" restart="never" nodeType="tmRoot"/>
+      </p:par>
+    </p:tnLst>
+  </p:timing>
 </p:sld>
 </file>
 
@@ -11500,6 +12024,13 @@
   <p:clrMapOvr>
     <a:masterClrMapping/>
   </p:clrMapOvr>
+  <p:timing>
+    <p:tnLst>
+      <p:par>
+        <p:cTn id="1" dur="indefinite" restart="never" nodeType="tmRoot"/>
+      </p:par>
+    </p:tnLst>
+  </p:timing>
 </p:sld>
 </file>
 
